--- a/INT.pptx
+++ b/INT.pptx
@@ -106,6 +106,11 @@
       </a:defRPr>
     </a:lvl9pPr>
   </p:defaultTextStyle>
+  <p:extLst>
+    <p:ext uri="{EFAFB233-063F-42B5-8137-9DF3F51BA10A}">
+      <p15:sldGuideLst xmlns:p15="http://schemas.microsoft.com/office/powerpoint/2012/main"/>
+    </p:ext>
+  </p:extLst>
 </p:presentation>
 </file>
 
@@ -256,7 +261,7 @@
           <a:p>
             <a:fld id="{B928E6C2-7173-4171-8D34-4CE9F90FC50A}" type="datetimeFigureOut">
               <a:rPr lang="en-US" smtClean="0"/>
-              <a:t>10/25/2022</a:t>
+              <a:t>10/27/2022</a:t>
             </a:fld>
             <a:endParaRPr lang="en-US"/>
           </a:p>
@@ -454,7 +459,7 @@
           <a:p>
             <a:fld id="{B928E6C2-7173-4171-8D34-4CE9F90FC50A}" type="datetimeFigureOut">
               <a:rPr lang="en-US" smtClean="0"/>
-              <a:t>10/25/2022</a:t>
+              <a:t>10/27/2022</a:t>
             </a:fld>
             <a:endParaRPr lang="en-US"/>
           </a:p>
@@ -662,7 +667,7 @@
           <a:p>
             <a:fld id="{B928E6C2-7173-4171-8D34-4CE9F90FC50A}" type="datetimeFigureOut">
               <a:rPr lang="en-US" smtClean="0"/>
-              <a:t>10/25/2022</a:t>
+              <a:t>10/27/2022</a:t>
             </a:fld>
             <a:endParaRPr lang="en-US"/>
           </a:p>
@@ -860,7 +865,7 @@
           <a:p>
             <a:fld id="{B928E6C2-7173-4171-8D34-4CE9F90FC50A}" type="datetimeFigureOut">
               <a:rPr lang="en-US" smtClean="0"/>
-              <a:t>10/25/2022</a:t>
+              <a:t>10/27/2022</a:t>
             </a:fld>
             <a:endParaRPr lang="en-US"/>
           </a:p>
@@ -1135,7 +1140,7 @@
           <a:p>
             <a:fld id="{B928E6C2-7173-4171-8D34-4CE9F90FC50A}" type="datetimeFigureOut">
               <a:rPr lang="en-US" smtClean="0"/>
-              <a:t>10/25/2022</a:t>
+              <a:t>10/27/2022</a:t>
             </a:fld>
             <a:endParaRPr lang="en-US"/>
           </a:p>
@@ -1400,7 +1405,7 @@
           <a:p>
             <a:fld id="{B928E6C2-7173-4171-8D34-4CE9F90FC50A}" type="datetimeFigureOut">
               <a:rPr lang="en-US" smtClean="0"/>
-              <a:t>10/25/2022</a:t>
+              <a:t>10/27/2022</a:t>
             </a:fld>
             <a:endParaRPr lang="en-US"/>
           </a:p>
@@ -1812,7 +1817,7 @@
           <a:p>
             <a:fld id="{B928E6C2-7173-4171-8D34-4CE9F90FC50A}" type="datetimeFigureOut">
               <a:rPr lang="en-US" smtClean="0"/>
-              <a:t>10/25/2022</a:t>
+              <a:t>10/27/2022</a:t>
             </a:fld>
             <a:endParaRPr lang="en-US"/>
           </a:p>
@@ -1953,7 +1958,7 @@
           <a:p>
             <a:fld id="{B928E6C2-7173-4171-8D34-4CE9F90FC50A}" type="datetimeFigureOut">
               <a:rPr lang="en-US" smtClean="0"/>
-              <a:t>10/25/2022</a:t>
+              <a:t>10/27/2022</a:t>
             </a:fld>
             <a:endParaRPr lang="en-US"/>
           </a:p>
@@ -2066,7 +2071,7 @@
           <a:p>
             <a:fld id="{B928E6C2-7173-4171-8D34-4CE9F90FC50A}" type="datetimeFigureOut">
               <a:rPr lang="en-US" smtClean="0"/>
-              <a:t>10/25/2022</a:t>
+              <a:t>10/27/2022</a:t>
             </a:fld>
             <a:endParaRPr lang="en-US"/>
           </a:p>
@@ -2377,7 +2382,7 @@
           <a:p>
             <a:fld id="{B928E6C2-7173-4171-8D34-4CE9F90FC50A}" type="datetimeFigureOut">
               <a:rPr lang="en-US" smtClean="0"/>
-              <a:t>10/25/2022</a:t>
+              <a:t>10/27/2022</a:t>
             </a:fld>
             <a:endParaRPr lang="en-US"/>
           </a:p>
@@ -2665,7 +2670,7 @@
           <a:p>
             <a:fld id="{B928E6C2-7173-4171-8D34-4CE9F90FC50A}" type="datetimeFigureOut">
               <a:rPr lang="en-US" smtClean="0"/>
-              <a:t>10/25/2022</a:t>
+              <a:t>10/27/2022</a:t>
             </a:fld>
             <a:endParaRPr lang="en-US"/>
           </a:p>
@@ -2906,7 +2911,7 @@
           <a:p>
             <a:fld id="{B928E6C2-7173-4171-8D34-4CE9F90FC50A}" type="datetimeFigureOut">
               <a:rPr lang="en-US" smtClean="0"/>
-              <a:t>10/25/2022</a:t>
+              <a:t>10/27/2022</a:t>
             </a:fld>
             <a:endParaRPr lang="en-US"/>
           </a:p>
@@ -3429,7 +3434,7 @@
           <a:p>
             <a:r>
               <a:rPr lang="en-US" dirty="0"/>
-              <a:t>MFT Results</a:t>
+              <a:t>Preliminary MFT</a:t>
             </a:r>
           </a:p>
         </p:txBody>
@@ -3467,7 +3472,10 @@
             </a:r>
           </a:p>
           <a:p>
-            <a:endParaRPr lang="en-US" dirty="0"/>
+            <a:r>
+              <a:rPr lang="en-US" dirty="0"/>
+              <a:t>Cs = 10 mM</a:t>
+            </a:r>
           </a:p>
         </p:txBody>
       </p:sp>
@@ -3501,12 +3509,120 @@
           <a:chExt cx="0" cy="0"/>
         </a:xfrm>
       </p:grpSpPr>
+      <p:sp>
+        <p:nvSpPr>
+          <p:cNvPr id="2" name="TextBox 1">
+            <a:extLst>
+              <a:ext uri="{FF2B5EF4-FFF2-40B4-BE49-F238E27FC236}">
+                <a16:creationId xmlns:a16="http://schemas.microsoft.com/office/drawing/2014/main" id="{783B3A3F-4621-89E4-553B-BFB50FA9CB21}"/>
+              </a:ext>
+            </a:extLst>
+          </p:cNvPr>
+          <p:cNvSpPr txBox="1"/>
+          <p:nvPr/>
+        </p:nvSpPr>
+        <p:spPr>
+          <a:xfrm>
+            <a:off x="2633129" y="167516"/>
+            <a:ext cx="995083" cy="369332"/>
+          </a:xfrm>
+          <a:prstGeom prst="rect">
+            <a:avLst/>
+          </a:prstGeom>
+          <a:noFill/>
+        </p:spPr>
+        <p:txBody>
+          <a:bodyPr wrap="square" rtlCol="0">
+            <a:spAutoFit/>
+          </a:bodyPr>
+          <a:lstStyle/>
+          <a:p>
+            <a:pPr algn="ctr"/>
+            <a:r>
+              <a:rPr lang="en-US" dirty="0"/>
+              <a:t>a0</a:t>
+            </a:r>
+          </a:p>
+        </p:txBody>
+      </p:sp>
+      <p:sp>
+        <p:nvSpPr>
+          <p:cNvPr id="4" name="TextBox 3">
+            <a:extLst>
+              <a:ext uri="{FF2B5EF4-FFF2-40B4-BE49-F238E27FC236}">
+                <a16:creationId xmlns:a16="http://schemas.microsoft.com/office/drawing/2014/main" id="{50946600-3B39-2FCE-C895-DF16379AC9E6}"/>
+              </a:ext>
+            </a:extLst>
+          </p:cNvPr>
+          <p:cNvSpPr txBox="1"/>
+          <p:nvPr/>
+        </p:nvSpPr>
+        <p:spPr>
+          <a:xfrm>
+            <a:off x="7893720" y="167516"/>
+            <a:ext cx="995083" cy="369332"/>
+          </a:xfrm>
+          <a:prstGeom prst="rect">
+            <a:avLst/>
+          </a:prstGeom>
+          <a:noFill/>
+        </p:spPr>
+        <p:txBody>
+          <a:bodyPr wrap="square" rtlCol="0">
+            <a:spAutoFit/>
+          </a:bodyPr>
+          <a:lstStyle/>
+          <a:p>
+            <a:pPr algn="ctr"/>
+            <a:r>
+              <a:rPr lang="en-US" dirty="0"/>
+              <a:t>a025</a:t>
+            </a:r>
+          </a:p>
+        </p:txBody>
+      </p:sp>
+      <p:sp>
+        <p:nvSpPr>
+          <p:cNvPr id="6" name="TextBox 5">
+            <a:extLst>
+              <a:ext uri="{FF2B5EF4-FFF2-40B4-BE49-F238E27FC236}">
+                <a16:creationId xmlns:a16="http://schemas.microsoft.com/office/drawing/2014/main" id="{719266B3-CAC2-2529-69A1-6E96F7EE8A9D}"/>
+              </a:ext>
+            </a:extLst>
+          </p:cNvPr>
+          <p:cNvSpPr txBox="1"/>
+          <p:nvPr/>
+        </p:nvSpPr>
+        <p:spPr>
+          <a:xfrm>
+            <a:off x="5063536" y="3564312"/>
+            <a:ext cx="995083" cy="369332"/>
+          </a:xfrm>
+          <a:prstGeom prst="rect">
+            <a:avLst/>
+          </a:prstGeom>
+          <a:noFill/>
+        </p:spPr>
+        <p:txBody>
+          <a:bodyPr wrap="square" rtlCol="0">
+            <a:spAutoFit/>
+          </a:bodyPr>
+          <a:lstStyle/>
+          <a:p>
+            <a:pPr algn="ctr"/>
+            <a:r>
+              <a:rPr lang="en-US" dirty="0"/>
+              <a:t>a050</a:t>
+            </a:r>
+          </a:p>
+        </p:txBody>
+      </p:sp>
       <p:pic>
         <p:nvPicPr>
-          <p:cNvPr id="1026" name="Picture 2">
-            <a:extLst>
-              <a:ext uri="{FF2B5EF4-FFF2-40B4-BE49-F238E27FC236}">
-                <a16:creationId xmlns:a16="http://schemas.microsoft.com/office/drawing/2014/main" id="{B2822FFA-5F30-B4F5-490B-2271462CC99C}"/>
+          <p:cNvPr id="5" name="Picture 2">
+            <a:extLst>
+              <a:ext uri="{FF2B5EF4-FFF2-40B4-BE49-F238E27FC236}">
+                <a16:creationId xmlns:a16="http://schemas.microsoft.com/office/drawing/2014/main" id="{060D72E9-57CD-6D23-6B60-918C12D5E0FC}"/>
               </a:ext>
             </a:extLst>
           </p:cNvPr>
@@ -3530,8 +3646,8 @@
         </p:blipFill>
         <p:spPr bwMode="auto">
           <a:xfrm>
-            <a:off x="6261292" y="4037107"/>
-            <a:ext cx="3264536" cy="2439653"/>
+            <a:off x="3448008" y="3933644"/>
+            <a:ext cx="4753084" cy="2892151"/>
           </a:xfrm>
           <a:prstGeom prst="rect">
             <a:avLst/>
@@ -3550,10 +3666,10 @@
       </p:pic>
       <p:pic>
         <p:nvPicPr>
-          <p:cNvPr id="1028" name="Picture 4">
-            <a:extLst>
-              <a:ext uri="{FF2B5EF4-FFF2-40B4-BE49-F238E27FC236}">
-                <a16:creationId xmlns:a16="http://schemas.microsoft.com/office/drawing/2014/main" id="{CAB8BB8E-33F4-935E-8519-78214CDAFFAA}"/>
+          <p:cNvPr id="8" name="Picture 4">
+            <a:extLst>
+              <a:ext uri="{FF2B5EF4-FFF2-40B4-BE49-F238E27FC236}">
+                <a16:creationId xmlns:a16="http://schemas.microsoft.com/office/drawing/2014/main" id="{3E6ECC97-D54C-A496-2409-77EA2BBB50B4}"/>
               </a:ext>
             </a:extLst>
           </p:cNvPr>
@@ -3577,8 +3693,8 @@
         </p:blipFill>
         <p:spPr bwMode="auto">
           <a:xfrm>
-            <a:off x="819297" y="800165"/>
-            <a:ext cx="3264535" cy="2439653"/>
+            <a:off x="6187247" y="536848"/>
+            <a:ext cx="4753086" cy="2892152"/>
           </a:xfrm>
           <a:prstGeom prst="rect">
             <a:avLst/>
@@ -3595,84 +3711,12 @@
           </a:extLst>
         </p:spPr>
       </p:pic>
-      <p:sp>
-        <p:nvSpPr>
-          <p:cNvPr id="2" name="TextBox 1">
-            <a:extLst>
-              <a:ext uri="{FF2B5EF4-FFF2-40B4-BE49-F238E27FC236}">
-                <a16:creationId xmlns:a16="http://schemas.microsoft.com/office/drawing/2014/main" id="{783B3A3F-4621-89E4-553B-BFB50FA9CB21}"/>
-              </a:ext>
-            </a:extLst>
-          </p:cNvPr>
-          <p:cNvSpPr txBox="1"/>
-          <p:nvPr/>
-        </p:nvSpPr>
-        <p:spPr>
-          <a:xfrm>
-            <a:off x="2150050" y="489169"/>
-            <a:ext cx="995083" cy="369332"/>
-          </a:xfrm>
-          <a:prstGeom prst="rect">
-            <a:avLst/>
-          </a:prstGeom>
-          <a:noFill/>
-        </p:spPr>
-        <p:txBody>
-          <a:bodyPr wrap="square" rtlCol="0">
-            <a:spAutoFit/>
-          </a:bodyPr>
-          <a:lstStyle/>
-          <a:p>
-            <a:pPr algn="ctr"/>
-            <a:r>
-              <a:rPr lang="en-US" dirty="0"/>
-              <a:t>a000</a:t>
-            </a:r>
-          </a:p>
-        </p:txBody>
-      </p:sp>
-      <p:sp>
-        <p:nvSpPr>
-          <p:cNvPr id="3" name="TextBox 2">
-            <a:extLst>
-              <a:ext uri="{FF2B5EF4-FFF2-40B4-BE49-F238E27FC236}">
-                <a16:creationId xmlns:a16="http://schemas.microsoft.com/office/drawing/2014/main" id="{3F5242CB-145B-56A2-05C6-C9F54EA3C923}"/>
-              </a:ext>
-            </a:extLst>
-          </p:cNvPr>
-          <p:cNvSpPr txBox="1"/>
-          <p:nvPr/>
-        </p:nvSpPr>
-        <p:spPr>
-          <a:xfrm>
-            <a:off x="7671546" y="3741272"/>
-            <a:ext cx="995083" cy="369332"/>
-          </a:xfrm>
-          <a:prstGeom prst="rect">
-            <a:avLst/>
-          </a:prstGeom>
-          <a:noFill/>
-        </p:spPr>
-        <p:txBody>
-          <a:bodyPr wrap="square" rtlCol="0">
-            <a:spAutoFit/>
-          </a:bodyPr>
-          <a:lstStyle/>
-          <a:p>
-            <a:pPr algn="ctr"/>
-            <a:r>
-              <a:rPr lang="en-US" dirty="0"/>
-              <a:t>a040</a:t>
-            </a:r>
-          </a:p>
-        </p:txBody>
-      </p:sp>
       <p:pic>
         <p:nvPicPr>
-          <p:cNvPr id="1030" name="Picture 6">
-            <a:extLst>
-              <a:ext uri="{FF2B5EF4-FFF2-40B4-BE49-F238E27FC236}">
-                <a16:creationId xmlns:a16="http://schemas.microsoft.com/office/drawing/2014/main" id="{AE607F72-E91C-2A3A-2770-29C5B43C6022}"/>
+          <p:cNvPr id="9" name="Picture 6">
+            <a:extLst>
+              <a:ext uri="{FF2B5EF4-FFF2-40B4-BE49-F238E27FC236}">
+                <a16:creationId xmlns:a16="http://schemas.microsoft.com/office/drawing/2014/main" id="{5E40DD7A-52B9-E72C-BF50-AE918E24E592}"/>
               </a:ext>
             </a:extLst>
           </p:cNvPr>
@@ -3696,8 +3740,8 @@
         </p:blipFill>
         <p:spPr bwMode="auto">
           <a:xfrm>
-            <a:off x="4140215" y="800165"/>
-            <a:ext cx="3264535" cy="2439653"/>
+            <a:off x="962045" y="536848"/>
+            <a:ext cx="4753086" cy="2892152"/>
           </a:xfrm>
           <a:prstGeom prst="rect">
             <a:avLst/>
@@ -3714,209 +3758,6 @@
           </a:extLst>
         </p:spPr>
       </p:pic>
-      <p:sp>
-        <p:nvSpPr>
-          <p:cNvPr id="4" name="TextBox 3">
-            <a:extLst>
-              <a:ext uri="{FF2B5EF4-FFF2-40B4-BE49-F238E27FC236}">
-                <a16:creationId xmlns:a16="http://schemas.microsoft.com/office/drawing/2014/main" id="{50946600-3B39-2FCE-C895-DF16379AC9E6}"/>
-              </a:ext>
-            </a:extLst>
-          </p:cNvPr>
-          <p:cNvSpPr txBox="1"/>
-          <p:nvPr/>
-        </p:nvSpPr>
-        <p:spPr>
-          <a:xfrm>
-            <a:off x="5375641" y="493716"/>
-            <a:ext cx="995083" cy="369332"/>
-          </a:xfrm>
-          <a:prstGeom prst="rect">
-            <a:avLst/>
-          </a:prstGeom>
-          <a:noFill/>
-        </p:spPr>
-        <p:txBody>
-          <a:bodyPr wrap="square" rtlCol="0">
-            <a:spAutoFit/>
-          </a:bodyPr>
-          <a:lstStyle/>
-          <a:p>
-            <a:pPr algn="ctr"/>
-            <a:r>
-              <a:rPr lang="en-US" dirty="0"/>
-              <a:t>a010</a:t>
-            </a:r>
-          </a:p>
-        </p:txBody>
-      </p:sp>
-      <p:pic>
-        <p:nvPicPr>
-          <p:cNvPr id="1032" name="Picture 8">
-            <a:extLst>
-              <a:ext uri="{FF2B5EF4-FFF2-40B4-BE49-F238E27FC236}">
-                <a16:creationId xmlns:a16="http://schemas.microsoft.com/office/drawing/2014/main" id="{3C08377E-3C38-BEBB-FDD1-932A1CB36E6D}"/>
-              </a:ext>
-            </a:extLst>
-          </p:cNvPr>
-          <p:cNvPicPr>
-            <a:picLocks noChangeAspect="1" noChangeArrowheads="1"/>
-          </p:cNvPicPr>
-          <p:nvPr/>
-        </p:nvPicPr>
-        <p:blipFill>
-          <a:blip r:embed="rId5">
-            <a:extLst>
-              <a:ext uri="{28A0092B-C50C-407E-A947-70E740481C1C}">
-                <a14:useLocalDpi xmlns:a14="http://schemas.microsoft.com/office/drawing/2010/main" val="0"/>
-              </a:ext>
-            </a:extLst>
-          </a:blip>
-          <a:srcRect/>
-          <a:stretch>
-            <a:fillRect/>
-          </a:stretch>
-        </p:blipFill>
-        <p:spPr bwMode="auto">
-          <a:xfrm>
-            <a:off x="7668412" y="800165"/>
-            <a:ext cx="3264536" cy="2439653"/>
-          </a:xfrm>
-          <a:prstGeom prst="rect">
-            <a:avLst/>
-          </a:prstGeom>
-          <a:noFill/>
-          <a:extLst>
-            <a:ext uri="{909E8E84-426E-40DD-AFC4-6F175D3DCCD1}">
-              <a14:hiddenFill xmlns:a14="http://schemas.microsoft.com/office/drawing/2010/main">
-                <a:solidFill>
-                  <a:srgbClr val="FFFFFF"/>
-                </a:solidFill>
-              </a14:hiddenFill>
-            </a:ext>
-          </a:extLst>
-        </p:spPr>
-      </p:pic>
-      <p:sp>
-        <p:nvSpPr>
-          <p:cNvPr id="6" name="TextBox 5">
-            <a:extLst>
-              <a:ext uri="{FF2B5EF4-FFF2-40B4-BE49-F238E27FC236}">
-                <a16:creationId xmlns:a16="http://schemas.microsoft.com/office/drawing/2014/main" id="{719266B3-CAC2-2529-69A1-6E96F7EE8A9D}"/>
-              </a:ext>
-            </a:extLst>
-          </p:cNvPr>
-          <p:cNvSpPr txBox="1"/>
-          <p:nvPr/>
-        </p:nvSpPr>
-        <p:spPr>
-          <a:xfrm>
-            <a:off x="9030446" y="489169"/>
-            <a:ext cx="995083" cy="369332"/>
-          </a:xfrm>
-          <a:prstGeom prst="rect">
-            <a:avLst/>
-          </a:prstGeom>
-          <a:noFill/>
-        </p:spPr>
-        <p:txBody>
-          <a:bodyPr wrap="square" rtlCol="0">
-            <a:spAutoFit/>
-          </a:bodyPr>
-          <a:lstStyle/>
-          <a:p>
-            <a:pPr algn="ctr"/>
-            <a:r>
-              <a:rPr lang="en-US" dirty="0"/>
-              <a:t>a020</a:t>
-            </a:r>
-          </a:p>
-        </p:txBody>
-      </p:sp>
-      <p:pic>
-        <p:nvPicPr>
-          <p:cNvPr id="1034" name="Picture 10">
-            <a:extLst>
-              <a:ext uri="{FF2B5EF4-FFF2-40B4-BE49-F238E27FC236}">
-                <a16:creationId xmlns:a16="http://schemas.microsoft.com/office/drawing/2014/main" id="{BDF380E0-BA96-F281-4CC0-A2F8DEAE0C7D}"/>
-              </a:ext>
-            </a:extLst>
-          </p:cNvPr>
-          <p:cNvPicPr>
-            <a:picLocks noChangeAspect="1" noChangeArrowheads="1"/>
-          </p:cNvPicPr>
-          <p:nvPr/>
-        </p:nvPicPr>
-        <p:blipFill>
-          <a:blip r:embed="rId6">
-            <a:extLst>
-              <a:ext uri="{28A0092B-C50C-407E-A947-70E740481C1C}">
-                <a14:useLocalDpi xmlns:a14="http://schemas.microsoft.com/office/drawing/2010/main" val="0"/>
-              </a:ext>
-            </a:extLst>
-          </a:blip>
-          <a:srcRect/>
-          <a:stretch>
-            <a:fillRect/>
-          </a:stretch>
-        </p:blipFill>
-        <p:spPr bwMode="auto">
-          <a:xfrm>
-            <a:off x="2291628" y="4037106"/>
-            <a:ext cx="3264537" cy="2439654"/>
-          </a:xfrm>
-          <a:prstGeom prst="rect">
-            <a:avLst/>
-          </a:prstGeom>
-          <a:noFill/>
-          <a:extLst>
-            <a:ext uri="{909E8E84-426E-40DD-AFC4-6F175D3DCCD1}">
-              <a14:hiddenFill xmlns:a14="http://schemas.microsoft.com/office/drawing/2010/main">
-                <a:solidFill>
-                  <a:srgbClr val="FFFFFF"/>
-                </a:solidFill>
-              </a14:hiddenFill>
-            </a:ext>
-          </a:extLst>
-        </p:spPr>
-      </p:pic>
-      <p:sp>
-        <p:nvSpPr>
-          <p:cNvPr id="7" name="TextBox 6">
-            <a:extLst>
-              <a:ext uri="{FF2B5EF4-FFF2-40B4-BE49-F238E27FC236}">
-                <a16:creationId xmlns:a16="http://schemas.microsoft.com/office/drawing/2014/main" id="{03171B57-1D1C-6306-8651-34DCFB363289}"/>
-              </a:ext>
-            </a:extLst>
-          </p:cNvPr>
-          <p:cNvSpPr txBox="1"/>
-          <p:nvPr/>
-        </p:nvSpPr>
-        <p:spPr>
-          <a:xfrm>
-            <a:off x="3586290" y="3725002"/>
-            <a:ext cx="995083" cy="369332"/>
-          </a:xfrm>
-          <a:prstGeom prst="rect">
-            <a:avLst/>
-          </a:prstGeom>
-          <a:noFill/>
-        </p:spPr>
-        <p:txBody>
-          <a:bodyPr wrap="square" rtlCol="0">
-            <a:spAutoFit/>
-          </a:bodyPr>
-          <a:lstStyle/>
-          <a:p>
-            <a:pPr algn="ctr"/>
-            <a:r>
-              <a:rPr lang="en-US"/>
-              <a:t>a030</a:t>
-            </a:r>
-            <a:endParaRPr lang="en-US" dirty="0"/>
-          </a:p>
-        </p:txBody>
-      </p:sp>
     </p:spTree>
     <p:extLst>
       <p:ext uri="{BB962C8B-B14F-4D97-AF65-F5344CB8AC3E}">

--- a/INT.pptx
+++ b/INT.pptx
@@ -7,7 +7,7 @@
   <p:sldIdLst>
     <p:sldId id="257" r:id="rId2"/>
     <p:sldId id="258" r:id="rId3"/>
-    <p:sldId id="256" r:id="rId4"/>
+    <p:sldId id="259" r:id="rId4"/>
   </p:sldIdLst>
   <p:sldSz cx="12192000" cy="6858000"/>
   <p:notesSz cx="6858000" cy="9144000"/>
@@ -261,7 +261,7 @@
           <a:p>
             <a:fld id="{B928E6C2-7173-4171-8D34-4CE9F90FC50A}" type="datetimeFigureOut">
               <a:rPr lang="en-US" smtClean="0"/>
-              <a:t>10/27/2022</a:t>
+              <a:t>11/1/2022</a:t>
             </a:fld>
             <a:endParaRPr lang="en-US"/>
           </a:p>
@@ -459,7 +459,7 @@
           <a:p>
             <a:fld id="{B928E6C2-7173-4171-8D34-4CE9F90FC50A}" type="datetimeFigureOut">
               <a:rPr lang="en-US" smtClean="0"/>
-              <a:t>10/27/2022</a:t>
+              <a:t>11/1/2022</a:t>
             </a:fld>
             <a:endParaRPr lang="en-US"/>
           </a:p>
@@ -667,7 +667,7 @@
           <a:p>
             <a:fld id="{B928E6C2-7173-4171-8D34-4CE9F90FC50A}" type="datetimeFigureOut">
               <a:rPr lang="en-US" smtClean="0"/>
-              <a:t>10/27/2022</a:t>
+              <a:t>11/1/2022</a:t>
             </a:fld>
             <a:endParaRPr lang="en-US"/>
           </a:p>
@@ -865,7 +865,7 @@
           <a:p>
             <a:fld id="{B928E6C2-7173-4171-8D34-4CE9F90FC50A}" type="datetimeFigureOut">
               <a:rPr lang="en-US" smtClean="0"/>
-              <a:t>10/27/2022</a:t>
+              <a:t>11/1/2022</a:t>
             </a:fld>
             <a:endParaRPr lang="en-US"/>
           </a:p>
@@ -1140,7 +1140,7 @@
           <a:p>
             <a:fld id="{B928E6C2-7173-4171-8D34-4CE9F90FC50A}" type="datetimeFigureOut">
               <a:rPr lang="en-US" smtClean="0"/>
-              <a:t>10/27/2022</a:t>
+              <a:t>11/1/2022</a:t>
             </a:fld>
             <a:endParaRPr lang="en-US"/>
           </a:p>
@@ -1405,7 +1405,7 @@
           <a:p>
             <a:fld id="{B928E6C2-7173-4171-8D34-4CE9F90FC50A}" type="datetimeFigureOut">
               <a:rPr lang="en-US" smtClean="0"/>
-              <a:t>10/27/2022</a:t>
+              <a:t>11/1/2022</a:t>
             </a:fld>
             <a:endParaRPr lang="en-US"/>
           </a:p>
@@ -1817,7 +1817,7 @@
           <a:p>
             <a:fld id="{B928E6C2-7173-4171-8D34-4CE9F90FC50A}" type="datetimeFigureOut">
               <a:rPr lang="en-US" smtClean="0"/>
-              <a:t>10/27/2022</a:t>
+              <a:t>11/1/2022</a:t>
             </a:fld>
             <a:endParaRPr lang="en-US"/>
           </a:p>
@@ -1958,7 +1958,7 @@
           <a:p>
             <a:fld id="{B928E6C2-7173-4171-8D34-4CE9F90FC50A}" type="datetimeFigureOut">
               <a:rPr lang="en-US" smtClean="0"/>
-              <a:t>10/27/2022</a:t>
+              <a:t>11/1/2022</a:t>
             </a:fld>
             <a:endParaRPr lang="en-US"/>
           </a:p>
@@ -2071,7 +2071,7 @@
           <a:p>
             <a:fld id="{B928E6C2-7173-4171-8D34-4CE9F90FC50A}" type="datetimeFigureOut">
               <a:rPr lang="en-US" smtClean="0"/>
-              <a:t>10/27/2022</a:t>
+              <a:t>11/1/2022</a:t>
             </a:fld>
             <a:endParaRPr lang="en-US"/>
           </a:p>
@@ -2382,7 +2382,7 @@
           <a:p>
             <a:fld id="{B928E6C2-7173-4171-8D34-4CE9F90FC50A}" type="datetimeFigureOut">
               <a:rPr lang="en-US" smtClean="0"/>
-              <a:t>10/27/2022</a:t>
+              <a:t>11/1/2022</a:t>
             </a:fld>
             <a:endParaRPr lang="en-US"/>
           </a:p>
@@ -2670,7 +2670,7 @@
           <a:p>
             <a:fld id="{B928E6C2-7173-4171-8D34-4CE9F90FC50A}" type="datetimeFigureOut">
               <a:rPr lang="en-US" smtClean="0"/>
-              <a:t>10/27/2022</a:t>
+              <a:t>11/1/2022</a:t>
             </a:fld>
             <a:endParaRPr lang="en-US"/>
           </a:p>
@@ -2911,7 +2911,7 @@
           <a:p>
             <a:fld id="{B928E6C2-7173-4171-8D34-4CE9F90FC50A}" type="datetimeFigureOut">
               <a:rPr lang="en-US" smtClean="0"/>
-              <a:t>10/27/2022</a:t>
+              <a:t>11/1/2022</a:t>
             </a:fld>
             <a:endParaRPr lang="en-US"/>
           </a:p>
@@ -3468,13 +3468,13 @@
           <a:p>
             <a:r>
               <a:rPr lang="en-US" dirty="0"/>
-              <a:t>Chi = 0.5, Nm = 200, sigma = 0.05, b = 1.0, v = 4/3pi</a:t>
+              <a:t>Alpha = 0.5, Chi = 0.4, Nm = 200, </a:t>
             </a:r>
           </a:p>
           <a:p>
             <a:r>
               <a:rPr lang="en-US" dirty="0"/>
-              <a:t>Cs = 10 mM</a:t>
+              <a:t>sigma = 0.05, b = 1.0, v = 4/3pi</a:t>
             </a:r>
           </a:p>
         </p:txBody>
@@ -3509,120 +3509,12 @@
           <a:chExt cx="0" cy="0"/>
         </a:xfrm>
       </p:grpSpPr>
-      <p:sp>
-        <p:nvSpPr>
-          <p:cNvPr id="2" name="TextBox 1">
-            <a:extLst>
-              <a:ext uri="{FF2B5EF4-FFF2-40B4-BE49-F238E27FC236}">
-                <a16:creationId xmlns:a16="http://schemas.microsoft.com/office/drawing/2014/main" id="{783B3A3F-4621-89E4-553B-BFB50FA9CB21}"/>
-              </a:ext>
-            </a:extLst>
-          </p:cNvPr>
-          <p:cNvSpPr txBox="1"/>
-          <p:nvPr/>
-        </p:nvSpPr>
-        <p:spPr>
-          <a:xfrm>
-            <a:off x="2633129" y="167516"/>
-            <a:ext cx="995083" cy="369332"/>
-          </a:xfrm>
-          <a:prstGeom prst="rect">
-            <a:avLst/>
-          </a:prstGeom>
-          <a:noFill/>
-        </p:spPr>
-        <p:txBody>
-          <a:bodyPr wrap="square" rtlCol="0">
-            <a:spAutoFit/>
-          </a:bodyPr>
-          <a:lstStyle/>
-          <a:p>
-            <a:pPr algn="ctr"/>
-            <a:r>
-              <a:rPr lang="en-US" dirty="0"/>
-              <a:t>a0</a:t>
-            </a:r>
-          </a:p>
-        </p:txBody>
-      </p:sp>
-      <p:sp>
-        <p:nvSpPr>
-          <p:cNvPr id="4" name="TextBox 3">
-            <a:extLst>
-              <a:ext uri="{FF2B5EF4-FFF2-40B4-BE49-F238E27FC236}">
-                <a16:creationId xmlns:a16="http://schemas.microsoft.com/office/drawing/2014/main" id="{50946600-3B39-2FCE-C895-DF16379AC9E6}"/>
-              </a:ext>
-            </a:extLst>
-          </p:cNvPr>
-          <p:cNvSpPr txBox="1"/>
-          <p:nvPr/>
-        </p:nvSpPr>
-        <p:spPr>
-          <a:xfrm>
-            <a:off x="7893720" y="167516"/>
-            <a:ext cx="995083" cy="369332"/>
-          </a:xfrm>
-          <a:prstGeom prst="rect">
-            <a:avLst/>
-          </a:prstGeom>
-          <a:noFill/>
-        </p:spPr>
-        <p:txBody>
-          <a:bodyPr wrap="square" rtlCol="0">
-            <a:spAutoFit/>
-          </a:bodyPr>
-          <a:lstStyle/>
-          <a:p>
-            <a:pPr algn="ctr"/>
-            <a:r>
-              <a:rPr lang="en-US" dirty="0"/>
-              <a:t>a025</a:t>
-            </a:r>
-          </a:p>
-        </p:txBody>
-      </p:sp>
-      <p:sp>
-        <p:nvSpPr>
-          <p:cNvPr id="6" name="TextBox 5">
-            <a:extLst>
-              <a:ext uri="{FF2B5EF4-FFF2-40B4-BE49-F238E27FC236}">
-                <a16:creationId xmlns:a16="http://schemas.microsoft.com/office/drawing/2014/main" id="{719266B3-CAC2-2529-69A1-6E96F7EE8A9D}"/>
-              </a:ext>
-            </a:extLst>
-          </p:cNvPr>
-          <p:cNvSpPr txBox="1"/>
-          <p:nvPr/>
-        </p:nvSpPr>
-        <p:spPr>
-          <a:xfrm>
-            <a:off x="5063536" y="3564312"/>
-            <a:ext cx="995083" cy="369332"/>
-          </a:xfrm>
-          <a:prstGeom prst="rect">
-            <a:avLst/>
-          </a:prstGeom>
-          <a:noFill/>
-        </p:spPr>
-        <p:txBody>
-          <a:bodyPr wrap="square" rtlCol="0">
-            <a:spAutoFit/>
-          </a:bodyPr>
-          <a:lstStyle/>
-          <a:p>
-            <a:pPr algn="ctr"/>
-            <a:r>
-              <a:rPr lang="en-US" dirty="0"/>
-              <a:t>a050</a:t>
-            </a:r>
-          </a:p>
-        </p:txBody>
-      </p:sp>
       <p:pic>
         <p:nvPicPr>
-          <p:cNvPr id="5" name="Picture 2">
-            <a:extLst>
-              <a:ext uri="{FF2B5EF4-FFF2-40B4-BE49-F238E27FC236}">
-                <a16:creationId xmlns:a16="http://schemas.microsoft.com/office/drawing/2014/main" id="{060D72E9-57CD-6D23-6B60-918C12D5E0FC}"/>
+          <p:cNvPr id="1032" name="Picture 8">
+            <a:extLst>
+              <a:ext uri="{FF2B5EF4-FFF2-40B4-BE49-F238E27FC236}">
+                <a16:creationId xmlns:a16="http://schemas.microsoft.com/office/drawing/2014/main" id="{6B9F7802-444C-8FEB-BB06-6921D2702F1F}"/>
               </a:ext>
             </a:extLst>
           </p:cNvPr>
@@ -3646,8 +3538,8 @@
         </p:blipFill>
         <p:spPr bwMode="auto">
           <a:xfrm>
-            <a:off x="3448008" y="3933644"/>
-            <a:ext cx="4753084" cy="2892151"/>
+            <a:off x="842964" y="1613074"/>
+            <a:ext cx="9560494" cy="4030489"/>
           </a:xfrm>
           <a:prstGeom prst="rect">
             <a:avLst/>
@@ -3664,104 +3556,46 @@
           </a:extLst>
         </p:spPr>
       </p:pic>
-      <p:pic>
-        <p:nvPicPr>
-          <p:cNvPr id="8" name="Picture 4">
-            <a:extLst>
-              <a:ext uri="{FF2B5EF4-FFF2-40B4-BE49-F238E27FC236}">
-                <a16:creationId xmlns:a16="http://schemas.microsoft.com/office/drawing/2014/main" id="{3E6ECC97-D54C-A496-2409-77EA2BBB50B4}"/>
-              </a:ext>
-            </a:extLst>
-          </p:cNvPr>
-          <p:cNvPicPr>
-            <a:picLocks noChangeAspect="1" noChangeArrowheads="1"/>
-          </p:cNvPicPr>
+      <p:sp>
+        <p:nvSpPr>
+          <p:cNvPr id="2" name="TextBox 1">
+            <a:extLst>
+              <a:ext uri="{FF2B5EF4-FFF2-40B4-BE49-F238E27FC236}">
+                <a16:creationId xmlns:a16="http://schemas.microsoft.com/office/drawing/2014/main" id="{0738D5FE-133C-D3D8-13B2-95095420743D}"/>
+              </a:ext>
+            </a:extLst>
+          </p:cNvPr>
+          <p:cNvSpPr txBox="1"/>
           <p:nvPr/>
-        </p:nvPicPr>
-        <p:blipFill>
-          <a:blip r:embed="rId3">
-            <a:extLst>
-              <a:ext uri="{28A0092B-C50C-407E-A947-70E740481C1C}">
-                <a14:useLocalDpi xmlns:a14="http://schemas.microsoft.com/office/drawing/2010/main" val="0"/>
-              </a:ext>
-            </a:extLst>
-          </a:blip>
-          <a:srcRect/>
-          <a:stretch>
-            <a:fillRect/>
-          </a:stretch>
-        </p:blipFill>
-        <p:spPr bwMode="auto">
+        </p:nvSpPr>
+        <p:spPr>
           <a:xfrm>
-            <a:off x="6187247" y="536848"/>
-            <a:ext cx="4753086" cy="2892152"/>
+            <a:off x="5779246" y="845105"/>
+            <a:ext cx="633507" cy="369332"/>
           </a:xfrm>
           <a:prstGeom prst="rect">
             <a:avLst/>
           </a:prstGeom>
           <a:noFill/>
-          <a:extLst>
-            <a:ext uri="{909E8E84-426E-40DD-AFC4-6F175D3DCCD1}">
-              <a14:hiddenFill xmlns:a14="http://schemas.microsoft.com/office/drawing/2010/main">
-                <a:solidFill>
-                  <a:srgbClr val="FFFFFF"/>
-                </a:solidFill>
-              </a14:hiddenFill>
-            </a:ext>
-          </a:extLst>
         </p:spPr>
-      </p:pic>
-      <p:pic>
-        <p:nvPicPr>
-          <p:cNvPr id="9" name="Picture 6">
-            <a:extLst>
-              <a:ext uri="{FF2B5EF4-FFF2-40B4-BE49-F238E27FC236}">
-                <a16:creationId xmlns:a16="http://schemas.microsoft.com/office/drawing/2014/main" id="{5E40DD7A-52B9-E72C-BF50-AE918E24E592}"/>
-              </a:ext>
-            </a:extLst>
-          </p:cNvPr>
-          <p:cNvPicPr>
-            <a:picLocks noChangeAspect="1" noChangeArrowheads="1"/>
-          </p:cNvPicPr>
-          <p:nvPr/>
-        </p:nvPicPr>
-        <p:blipFill>
-          <a:blip r:embed="rId4">
-            <a:extLst>
-              <a:ext uri="{28A0092B-C50C-407E-A947-70E740481C1C}">
-                <a14:useLocalDpi xmlns:a14="http://schemas.microsoft.com/office/drawing/2010/main" val="0"/>
-              </a:ext>
-            </a:extLst>
-          </a:blip>
-          <a:srcRect/>
-          <a:stretch>
-            <a:fillRect/>
-          </a:stretch>
-        </p:blipFill>
-        <p:spPr bwMode="auto">
-          <a:xfrm>
-            <a:off x="962045" y="536848"/>
-            <a:ext cx="4753086" cy="2892152"/>
-          </a:xfrm>
-          <a:prstGeom prst="rect">
-            <a:avLst/>
-          </a:prstGeom>
-          <a:noFill/>
-          <a:extLst>
-            <a:ext uri="{909E8E84-426E-40DD-AFC4-6F175D3DCCD1}">
-              <a14:hiddenFill xmlns:a14="http://schemas.microsoft.com/office/drawing/2010/main">
-                <a:solidFill>
-                  <a:srgbClr val="FFFFFF"/>
-                </a:solidFill>
-              </a14:hiddenFill>
-            </a:ext>
-          </a:extLst>
-        </p:spPr>
-      </p:pic>
+        <p:txBody>
+          <a:bodyPr wrap="none" rtlCol="0">
+            <a:spAutoFit/>
+          </a:bodyPr>
+          <a:lstStyle/>
+          <a:p>
+            <a:pPr algn="ctr"/>
+            <a:r>
+              <a:rPr lang="en-US" dirty="0"/>
+              <a:t>c100</a:t>
+            </a:r>
+          </a:p>
+        </p:txBody>
+      </p:sp>
     </p:spTree>
     <p:extLst>
       <p:ext uri="{BB962C8B-B14F-4D97-AF65-F5344CB8AC3E}">
-        <p14:creationId xmlns:p14="http://schemas.microsoft.com/office/powerpoint/2010/main" val="3991979202"/>
+        <p14:creationId xmlns:p14="http://schemas.microsoft.com/office/powerpoint/2010/main" val="3556262447"/>
       </p:ext>
     </p:extLst>
   </p:cSld>

--- a/INT.pptx
+++ b/INT.pptx
@@ -3538,8 +3538,8 @@
         </p:blipFill>
         <p:spPr bwMode="auto">
           <a:xfrm>
-            <a:off x="842964" y="1613074"/>
-            <a:ext cx="9560494" cy="4030489"/>
+            <a:off x="2165454" y="406726"/>
+            <a:ext cx="7257240" cy="3059489"/>
           </a:xfrm>
           <a:prstGeom prst="rect">
             <a:avLst/>
@@ -3570,7 +3570,7 @@
         </p:nvSpPr>
         <p:spPr>
           <a:xfrm>
-            <a:off x="5779246" y="845105"/>
+            <a:off x="5779246" y="37394"/>
             <a:ext cx="633507" cy="369332"/>
           </a:xfrm>
           <a:prstGeom prst="rect">
@@ -3592,6 +3592,53 @@
           </a:p>
         </p:txBody>
       </p:sp>
+      <p:pic>
+        <p:nvPicPr>
+          <p:cNvPr id="1034" name="Picture 10">
+            <a:extLst>
+              <a:ext uri="{FF2B5EF4-FFF2-40B4-BE49-F238E27FC236}">
+                <a16:creationId xmlns:a16="http://schemas.microsoft.com/office/drawing/2014/main" id="{1AAD24C3-5576-C4DF-116F-B8E46A937F7C}"/>
+              </a:ext>
+            </a:extLst>
+          </p:cNvPr>
+          <p:cNvPicPr>
+            <a:picLocks noChangeAspect="1" noChangeArrowheads="1"/>
+          </p:cNvPicPr>
+          <p:nvPr/>
+        </p:nvPicPr>
+        <p:blipFill>
+          <a:blip r:embed="rId3">
+            <a:extLst>
+              <a:ext uri="{28A0092B-C50C-407E-A947-70E740481C1C}">
+                <a14:useLocalDpi xmlns:a14="http://schemas.microsoft.com/office/drawing/2010/main" val="0"/>
+              </a:ext>
+            </a:extLst>
+          </a:blip>
+          <a:srcRect/>
+          <a:stretch>
+            <a:fillRect/>
+          </a:stretch>
+        </p:blipFill>
+        <p:spPr bwMode="auto">
+          <a:xfrm>
+            <a:off x="3485432" y="3466215"/>
+            <a:ext cx="5221136" cy="3391785"/>
+          </a:xfrm>
+          <a:prstGeom prst="rect">
+            <a:avLst/>
+          </a:prstGeom>
+          <a:noFill/>
+          <a:extLst>
+            <a:ext uri="{909E8E84-426E-40DD-AFC4-6F175D3DCCD1}">
+              <a14:hiddenFill xmlns:a14="http://schemas.microsoft.com/office/drawing/2010/main">
+                <a:solidFill>
+                  <a:srgbClr val="FFFFFF"/>
+                </a:solidFill>
+              </a14:hiddenFill>
+            </a:ext>
+          </a:extLst>
+        </p:spPr>
+      </p:pic>
     </p:spTree>
     <p:extLst>
       <p:ext uri="{BB962C8B-B14F-4D97-AF65-F5344CB8AC3E}">

--- a/INT.pptx
+++ b/INT.pptx
@@ -3538,7 +3538,7 @@
         </p:blipFill>
         <p:spPr bwMode="auto">
           <a:xfrm>
-            <a:off x="2165454" y="406726"/>
+            <a:off x="2251717" y="406726"/>
             <a:ext cx="7257240" cy="3059489"/>
           </a:xfrm>
           <a:prstGeom prst="rect">
@@ -3570,8 +3570,8 @@
         </p:nvSpPr>
         <p:spPr>
           <a:xfrm>
-            <a:off x="5779246" y="37394"/>
-            <a:ext cx="633507" cy="369332"/>
+            <a:off x="5393724" y="37394"/>
+            <a:ext cx="1404552" cy="369332"/>
           </a:xfrm>
           <a:prstGeom prst="rect">
             <a:avLst/>
@@ -3587,7 +3587,7 @@
             <a:pPr algn="ctr"/>
             <a:r>
               <a:rPr lang="en-US" dirty="0"/>
-              <a:t>c100</a:t>
+              <a:t>Cs = 100 mM</a:t>
             </a:r>
           </a:p>
         </p:txBody>
@@ -3621,7 +3621,7 @@
         </p:blipFill>
         <p:spPr bwMode="auto">
           <a:xfrm>
-            <a:off x="3485432" y="3466215"/>
+            <a:off x="3692466" y="3466215"/>
             <a:ext cx="5221136" cy="3391785"/>
           </a:xfrm>
           <a:prstGeom prst="rect">

--- a/INT.pptx
+++ b/INT.pptx
@@ -3538,7 +3538,7 @@
         </p:blipFill>
         <p:spPr bwMode="auto">
           <a:xfrm>
-            <a:off x="2251717" y="406726"/>
+            <a:off x="2303475" y="406726"/>
             <a:ext cx="7257240" cy="3059489"/>
           </a:xfrm>
           <a:prstGeom prst="rect">

--- a/INT.pptx
+++ b/INT.pptx
@@ -8,6 +8,7 @@
     <p:sldId id="257" r:id="rId2"/>
     <p:sldId id="258" r:id="rId3"/>
     <p:sldId id="259" r:id="rId4"/>
+    <p:sldId id="260" r:id="rId5"/>
   </p:sldIdLst>
   <p:sldSz cx="12192000" cy="6858000"/>
   <p:notesSz cx="6858000" cy="9144000"/>
@@ -261,7 +262,7 @@
           <a:p>
             <a:fld id="{B928E6C2-7173-4171-8D34-4CE9F90FC50A}" type="datetimeFigureOut">
               <a:rPr lang="en-US" smtClean="0"/>
-              <a:t>11/1/2022</a:t>
+              <a:t>11/2/2022</a:t>
             </a:fld>
             <a:endParaRPr lang="en-US"/>
           </a:p>
@@ -459,7 +460,7 @@
           <a:p>
             <a:fld id="{B928E6C2-7173-4171-8D34-4CE9F90FC50A}" type="datetimeFigureOut">
               <a:rPr lang="en-US" smtClean="0"/>
-              <a:t>11/1/2022</a:t>
+              <a:t>11/2/2022</a:t>
             </a:fld>
             <a:endParaRPr lang="en-US"/>
           </a:p>
@@ -667,7 +668,7 @@
           <a:p>
             <a:fld id="{B928E6C2-7173-4171-8D34-4CE9F90FC50A}" type="datetimeFigureOut">
               <a:rPr lang="en-US" smtClean="0"/>
-              <a:t>11/1/2022</a:t>
+              <a:t>11/2/2022</a:t>
             </a:fld>
             <a:endParaRPr lang="en-US"/>
           </a:p>
@@ -865,7 +866,7 @@
           <a:p>
             <a:fld id="{B928E6C2-7173-4171-8D34-4CE9F90FC50A}" type="datetimeFigureOut">
               <a:rPr lang="en-US" smtClean="0"/>
-              <a:t>11/1/2022</a:t>
+              <a:t>11/2/2022</a:t>
             </a:fld>
             <a:endParaRPr lang="en-US"/>
           </a:p>
@@ -1140,7 +1141,7 @@
           <a:p>
             <a:fld id="{B928E6C2-7173-4171-8D34-4CE9F90FC50A}" type="datetimeFigureOut">
               <a:rPr lang="en-US" smtClean="0"/>
-              <a:t>11/1/2022</a:t>
+              <a:t>11/2/2022</a:t>
             </a:fld>
             <a:endParaRPr lang="en-US"/>
           </a:p>
@@ -1405,7 +1406,7 @@
           <a:p>
             <a:fld id="{B928E6C2-7173-4171-8D34-4CE9F90FC50A}" type="datetimeFigureOut">
               <a:rPr lang="en-US" smtClean="0"/>
-              <a:t>11/1/2022</a:t>
+              <a:t>11/2/2022</a:t>
             </a:fld>
             <a:endParaRPr lang="en-US"/>
           </a:p>
@@ -1817,7 +1818,7 @@
           <a:p>
             <a:fld id="{B928E6C2-7173-4171-8D34-4CE9F90FC50A}" type="datetimeFigureOut">
               <a:rPr lang="en-US" smtClean="0"/>
-              <a:t>11/1/2022</a:t>
+              <a:t>11/2/2022</a:t>
             </a:fld>
             <a:endParaRPr lang="en-US"/>
           </a:p>
@@ -1958,7 +1959,7 @@
           <a:p>
             <a:fld id="{B928E6C2-7173-4171-8D34-4CE9F90FC50A}" type="datetimeFigureOut">
               <a:rPr lang="en-US" smtClean="0"/>
-              <a:t>11/1/2022</a:t>
+              <a:t>11/2/2022</a:t>
             </a:fld>
             <a:endParaRPr lang="en-US"/>
           </a:p>
@@ -2071,7 +2072,7 @@
           <a:p>
             <a:fld id="{B928E6C2-7173-4171-8D34-4CE9F90FC50A}" type="datetimeFigureOut">
               <a:rPr lang="en-US" smtClean="0"/>
-              <a:t>11/1/2022</a:t>
+              <a:t>11/2/2022</a:t>
             </a:fld>
             <a:endParaRPr lang="en-US"/>
           </a:p>
@@ -2382,7 +2383,7 @@
           <a:p>
             <a:fld id="{B928E6C2-7173-4171-8D34-4CE9F90FC50A}" type="datetimeFigureOut">
               <a:rPr lang="en-US" smtClean="0"/>
-              <a:t>11/1/2022</a:t>
+              <a:t>11/2/2022</a:t>
             </a:fld>
             <a:endParaRPr lang="en-US"/>
           </a:p>
@@ -2670,7 +2671,7 @@
           <a:p>
             <a:fld id="{B928E6C2-7173-4171-8D34-4CE9F90FC50A}" type="datetimeFigureOut">
               <a:rPr lang="en-US" smtClean="0"/>
-              <a:t>11/1/2022</a:t>
+              <a:t>11/2/2022</a:t>
             </a:fld>
             <a:endParaRPr lang="en-US"/>
           </a:p>
@@ -2911,7 +2912,7 @@
           <a:p>
             <a:fld id="{B928E6C2-7173-4171-8D34-4CE9F90FC50A}" type="datetimeFigureOut">
               <a:rPr lang="en-US" smtClean="0"/>
-              <a:t>11/1/2022</a:t>
+              <a:t>11/2/2022</a:t>
             </a:fld>
             <a:endParaRPr lang="en-US"/>
           </a:p>
@@ -3652,6 +3653,166 @@
 </p:sld>
 </file>
 
+<file path=ppt/slides/slide4.xml><?xml version="1.0" encoding="utf-8"?>
+<p:sld xmlns:a="http://schemas.openxmlformats.org/drawingml/2006/main" xmlns:r="http://schemas.openxmlformats.org/officeDocument/2006/relationships" xmlns:p="http://schemas.openxmlformats.org/presentationml/2006/main">
+  <p:cSld>
+    <p:spTree>
+      <p:nvGrpSpPr>
+        <p:cNvPr id="1" name=""/>
+        <p:cNvGrpSpPr/>
+        <p:nvPr/>
+      </p:nvGrpSpPr>
+      <p:grpSpPr>
+        <a:xfrm>
+          <a:off x="0" y="0"/>
+          <a:ext cx="0" cy="0"/>
+          <a:chOff x="0" y="0"/>
+          <a:chExt cx="0" cy="0"/>
+        </a:xfrm>
+      </p:grpSpPr>
+      <p:sp>
+        <p:nvSpPr>
+          <p:cNvPr id="2" name="TextBox 1">
+            <a:extLst>
+              <a:ext uri="{FF2B5EF4-FFF2-40B4-BE49-F238E27FC236}">
+                <a16:creationId xmlns:a16="http://schemas.microsoft.com/office/drawing/2014/main" id="{404C6F3B-EB9A-C56E-D71D-CA5CE1B49BE6}"/>
+              </a:ext>
+            </a:extLst>
+          </p:cNvPr>
+          <p:cNvSpPr txBox="1"/>
+          <p:nvPr/>
+        </p:nvSpPr>
+        <p:spPr>
+          <a:xfrm>
+            <a:off x="5393724" y="37394"/>
+            <a:ext cx="1404552" cy="369332"/>
+          </a:xfrm>
+          <a:prstGeom prst="rect">
+            <a:avLst/>
+          </a:prstGeom>
+          <a:noFill/>
+        </p:spPr>
+        <p:txBody>
+          <a:bodyPr wrap="none" rtlCol="0">
+            <a:spAutoFit/>
+          </a:bodyPr>
+          <a:lstStyle/>
+          <a:p>
+            <a:pPr algn="ctr"/>
+            <a:r>
+              <a:rPr lang="en-US" dirty="0"/>
+              <a:t>Cs = 200 mM</a:t>
+            </a:r>
+          </a:p>
+        </p:txBody>
+      </p:sp>
+      <p:pic>
+        <p:nvPicPr>
+          <p:cNvPr id="4" name="Picture 4">
+            <a:extLst>
+              <a:ext uri="{FF2B5EF4-FFF2-40B4-BE49-F238E27FC236}">
+                <a16:creationId xmlns:a16="http://schemas.microsoft.com/office/drawing/2014/main" id="{6D8DA7F8-7E6E-A98D-09F6-38E489B4A3DC}"/>
+              </a:ext>
+            </a:extLst>
+          </p:cNvPr>
+          <p:cNvPicPr>
+            <a:picLocks noChangeAspect="1" noChangeArrowheads="1"/>
+          </p:cNvPicPr>
+          <p:nvPr/>
+        </p:nvPicPr>
+        <p:blipFill>
+          <a:blip r:embed="rId2">
+            <a:extLst>
+              <a:ext uri="{28A0092B-C50C-407E-A947-70E740481C1C}">
+                <a14:useLocalDpi xmlns:a14="http://schemas.microsoft.com/office/drawing/2010/main" val="0"/>
+              </a:ext>
+            </a:extLst>
+          </a:blip>
+          <a:srcRect/>
+          <a:stretch>
+            <a:fillRect/>
+          </a:stretch>
+        </p:blipFill>
+        <p:spPr bwMode="auto">
+          <a:xfrm>
+            <a:off x="4037819" y="3607010"/>
+            <a:ext cx="4685706" cy="3043956"/>
+          </a:xfrm>
+          <a:prstGeom prst="rect">
+            <a:avLst/>
+          </a:prstGeom>
+          <a:noFill/>
+          <a:extLst>
+            <a:ext uri="{909E8E84-426E-40DD-AFC4-6F175D3DCCD1}">
+              <a14:hiddenFill xmlns:a14="http://schemas.microsoft.com/office/drawing/2010/main">
+                <a:solidFill>
+                  <a:srgbClr val="FFFFFF"/>
+                </a:solidFill>
+              </a14:hiddenFill>
+            </a:ext>
+          </a:extLst>
+        </p:spPr>
+      </p:pic>
+      <p:pic>
+        <p:nvPicPr>
+          <p:cNvPr id="1028" name="Picture 4">
+            <a:extLst>
+              <a:ext uri="{FF2B5EF4-FFF2-40B4-BE49-F238E27FC236}">
+                <a16:creationId xmlns:a16="http://schemas.microsoft.com/office/drawing/2014/main" id="{7A68AC84-B056-F597-B58E-4CA39B5C9868}"/>
+              </a:ext>
+            </a:extLst>
+          </p:cNvPr>
+          <p:cNvPicPr>
+            <a:picLocks noChangeAspect="1" noChangeArrowheads="1"/>
+          </p:cNvPicPr>
+          <p:nvPr/>
+        </p:nvPicPr>
+        <p:blipFill>
+          <a:blip r:embed="rId3">
+            <a:extLst>
+              <a:ext uri="{28A0092B-C50C-407E-A947-70E740481C1C}">
+                <a14:useLocalDpi xmlns:a14="http://schemas.microsoft.com/office/drawing/2010/main" val="0"/>
+              </a:ext>
+            </a:extLst>
+          </a:blip>
+          <a:srcRect/>
+          <a:stretch>
+            <a:fillRect/>
+          </a:stretch>
+        </p:blipFill>
+        <p:spPr bwMode="auto">
+          <a:xfrm>
+            <a:off x="2104845" y="549160"/>
+            <a:ext cx="7592304" cy="3214511"/>
+          </a:xfrm>
+          <a:prstGeom prst="rect">
+            <a:avLst/>
+          </a:prstGeom>
+          <a:noFill/>
+          <a:extLst>
+            <a:ext uri="{909E8E84-426E-40DD-AFC4-6F175D3DCCD1}">
+              <a14:hiddenFill xmlns:a14="http://schemas.microsoft.com/office/drawing/2010/main">
+                <a:solidFill>
+                  <a:srgbClr val="FFFFFF"/>
+                </a:solidFill>
+              </a14:hiddenFill>
+            </a:ext>
+          </a:extLst>
+        </p:spPr>
+      </p:pic>
+    </p:spTree>
+    <p:extLst>
+      <p:ext uri="{BB962C8B-B14F-4D97-AF65-F5344CB8AC3E}">
+        <p14:creationId xmlns:p14="http://schemas.microsoft.com/office/powerpoint/2010/main" val="3597488361"/>
+      </p:ext>
+    </p:extLst>
+  </p:cSld>
+  <p:clrMapOvr>
+    <a:masterClrMapping/>
+  </p:clrMapOvr>
+</p:sld>
+</file>
+
 <file path=ppt/theme/theme1.xml><?xml version="1.0" encoding="utf-8"?>
 <a:theme xmlns:a="http://schemas.openxmlformats.org/drawingml/2006/main" name="Office Theme">
   <a:themeElements>

--- a/INT.pptx
+++ b/INT.pptx
@@ -3782,7 +3782,7 @@
         </p:blipFill>
         <p:spPr bwMode="auto">
           <a:xfrm>
-            <a:off x="2104845" y="549160"/>
+            <a:off x="2104845" y="406726"/>
             <a:ext cx="7592304" cy="3214511"/>
           </a:xfrm>
           <a:prstGeom prst="rect">

--- a/INT.pptx
+++ b/INT.pptx
@@ -9,6 +9,8 @@
     <p:sldId id="258" r:id="rId3"/>
     <p:sldId id="259" r:id="rId4"/>
     <p:sldId id="260" r:id="rId5"/>
+    <p:sldId id="261" r:id="rId6"/>
+    <p:sldId id="262" r:id="rId7"/>
   </p:sldIdLst>
   <p:sldSz cx="12192000" cy="6858000"/>
   <p:notesSz cx="6858000" cy="9144000"/>
@@ -262,7 +264,7 @@
           <a:p>
             <a:fld id="{B928E6C2-7173-4171-8D34-4CE9F90FC50A}" type="datetimeFigureOut">
               <a:rPr lang="en-US" smtClean="0"/>
-              <a:t>11/2/2022</a:t>
+              <a:t>11/3/2022</a:t>
             </a:fld>
             <a:endParaRPr lang="en-US"/>
           </a:p>
@@ -460,7 +462,7 @@
           <a:p>
             <a:fld id="{B928E6C2-7173-4171-8D34-4CE9F90FC50A}" type="datetimeFigureOut">
               <a:rPr lang="en-US" smtClean="0"/>
-              <a:t>11/2/2022</a:t>
+              <a:t>11/3/2022</a:t>
             </a:fld>
             <a:endParaRPr lang="en-US"/>
           </a:p>
@@ -668,7 +670,7 @@
           <a:p>
             <a:fld id="{B928E6C2-7173-4171-8D34-4CE9F90FC50A}" type="datetimeFigureOut">
               <a:rPr lang="en-US" smtClean="0"/>
-              <a:t>11/2/2022</a:t>
+              <a:t>11/3/2022</a:t>
             </a:fld>
             <a:endParaRPr lang="en-US"/>
           </a:p>
@@ -866,7 +868,7 @@
           <a:p>
             <a:fld id="{B928E6C2-7173-4171-8D34-4CE9F90FC50A}" type="datetimeFigureOut">
               <a:rPr lang="en-US" smtClean="0"/>
-              <a:t>11/2/2022</a:t>
+              <a:t>11/3/2022</a:t>
             </a:fld>
             <a:endParaRPr lang="en-US"/>
           </a:p>
@@ -1141,7 +1143,7 @@
           <a:p>
             <a:fld id="{B928E6C2-7173-4171-8D34-4CE9F90FC50A}" type="datetimeFigureOut">
               <a:rPr lang="en-US" smtClean="0"/>
-              <a:t>11/2/2022</a:t>
+              <a:t>11/3/2022</a:t>
             </a:fld>
             <a:endParaRPr lang="en-US"/>
           </a:p>
@@ -1406,7 +1408,7 @@
           <a:p>
             <a:fld id="{B928E6C2-7173-4171-8D34-4CE9F90FC50A}" type="datetimeFigureOut">
               <a:rPr lang="en-US" smtClean="0"/>
-              <a:t>11/2/2022</a:t>
+              <a:t>11/3/2022</a:t>
             </a:fld>
             <a:endParaRPr lang="en-US"/>
           </a:p>
@@ -1818,7 +1820,7 @@
           <a:p>
             <a:fld id="{B928E6C2-7173-4171-8D34-4CE9F90FC50A}" type="datetimeFigureOut">
               <a:rPr lang="en-US" smtClean="0"/>
-              <a:t>11/2/2022</a:t>
+              <a:t>11/3/2022</a:t>
             </a:fld>
             <a:endParaRPr lang="en-US"/>
           </a:p>
@@ -1959,7 +1961,7 @@
           <a:p>
             <a:fld id="{B928E6C2-7173-4171-8D34-4CE9F90FC50A}" type="datetimeFigureOut">
               <a:rPr lang="en-US" smtClean="0"/>
-              <a:t>11/2/2022</a:t>
+              <a:t>11/3/2022</a:t>
             </a:fld>
             <a:endParaRPr lang="en-US"/>
           </a:p>
@@ -2072,7 +2074,7 @@
           <a:p>
             <a:fld id="{B928E6C2-7173-4171-8D34-4CE9F90FC50A}" type="datetimeFigureOut">
               <a:rPr lang="en-US" smtClean="0"/>
-              <a:t>11/2/2022</a:t>
+              <a:t>11/3/2022</a:t>
             </a:fld>
             <a:endParaRPr lang="en-US"/>
           </a:p>
@@ -2383,7 +2385,7 @@
           <a:p>
             <a:fld id="{B928E6C2-7173-4171-8D34-4CE9F90FC50A}" type="datetimeFigureOut">
               <a:rPr lang="en-US" smtClean="0"/>
-              <a:t>11/2/2022</a:t>
+              <a:t>11/3/2022</a:t>
             </a:fld>
             <a:endParaRPr lang="en-US"/>
           </a:p>
@@ -2671,7 +2673,7 @@
           <a:p>
             <a:fld id="{B928E6C2-7173-4171-8D34-4CE9F90FC50A}" type="datetimeFigureOut">
               <a:rPr lang="en-US" smtClean="0"/>
-              <a:t>11/2/2022</a:t>
+              <a:t>11/3/2022</a:t>
             </a:fld>
             <a:endParaRPr lang="en-US"/>
           </a:p>
@@ -2912,7 +2914,7 @@
           <a:p>
             <a:fld id="{B928E6C2-7173-4171-8D34-4CE9F90FC50A}" type="datetimeFigureOut">
               <a:rPr lang="en-US" smtClean="0"/>
-              <a:t>11/2/2022</a:t>
+              <a:t>11/3/2022</a:t>
             </a:fld>
             <a:endParaRPr lang="en-US"/>
           </a:p>
@@ -3813,6 +3815,138 @@
 </p:sld>
 </file>
 
+<file path=ppt/slides/slide5.xml><?xml version="1.0" encoding="utf-8"?>
+<p:sld xmlns:a="http://schemas.openxmlformats.org/drawingml/2006/main" xmlns:r="http://schemas.openxmlformats.org/officeDocument/2006/relationships" xmlns:p="http://schemas.openxmlformats.org/presentationml/2006/main">
+  <p:cSld>
+    <p:spTree>
+      <p:nvGrpSpPr>
+        <p:cNvPr id="1" name=""/>
+        <p:cNvGrpSpPr/>
+        <p:nvPr/>
+      </p:nvGrpSpPr>
+      <p:grpSpPr>
+        <a:xfrm>
+          <a:off x="0" y="0"/>
+          <a:ext cx="0" cy="0"/>
+          <a:chOff x="0" y="0"/>
+          <a:chExt cx="0" cy="0"/>
+        </a:xfrm>
+      </p:grpSpPr>
+      <p:sp>
+        <p:nvSpPr>
+          <p:cNvPr id="2" name="TextBox 1">
+            <a:extLst>
+              <a:ext uri="{FF2B5EF4-FFF2-40B4-BE49-F238E27FC236}">
+                <a16:creationId xmlns:a16="http://schemas.microsoft.com/office/drawing/2014/main" id="{404C6F3B-EB9A-C56E-D71D-CA5CE1B49BE6}"/>
+              </a:ext>
+            </a:extLst>
+          </p:cNvPr>
+          <p:cNvSpPr txBox="1"/>
+          <p:nvPr/>
+        </p:nvSpPr>
+        <p:spPr>
+          <a:xfrm>
+            <a:off x="5393724" y="37394"/>
+            <a:ext cx="1404552" cy="369332"/>
+          </a:xfrm>
+          <a:prstGeom prst="rect">
+            <a:avLst/>
+          </a:prstGeom>
+          <a:noFill/>
+        </p:spPr>
+        <p:txBody>
+          <a:bodyPr wrap="none" rtlCol="0">
+            <a:spAutoFit/>
+          </a:bodyPr>
+          <a:lstStyle/>
+          <a:p>
+            <a:pPr algn="ctr"/>
+            <a:r>
+              <a:rPr lang="en-US" dirty="0"/>
+              <a:t>Cs = 600 mM</a:t>
+            </a:r>
+          </a:p>
+        </p:txBody>
+      </p:sp>
+    </p:spTree>
+    <p:extLst>
+      <p:ext uri="{BB962C8B-B14F-4D97-AF65-F5344CB8AC3E}">
+        <p14:creationId xmlns:p14="http://schemas.microsoft.com/office/powerpoint/2010/main" val="3151156221"/>
+      </p:ext>
+    </p:extLst>
+  </p:cSld>
+  <p:clrMapOvr>
+    <a:masterClrMapping/>
+  </p:clrMapOvr>
+</p:sld>
+</file>
+
+<file path=ppt/slides/slide6.xml><?xml version="1.0" encoding="utf-8"?>
+<p:sld xmlns:a="http://schemas.openxmlformats.org/drawingml/2006/main" xmlns:r="http://schemas.openxmlformats.org/officeDocument/2006/relationships" xmlns:p="http://schemas.openxmlformats.org/presentationml/2006/main">
+  <p:cSld>
+    <p:spTree>
+      <p:nvGrpSpPr>
+        <p:cNvPr id="1" name=""/>
+        <p:cNvGrpSpPr/>
+        <p:nvPr/>
+      </p:nvGrpSpPr>
+      <p:grpSpPr>
+        <a:xfrm>
+          <a:off x="0" y="0"/>
+          <a:ext cx="0" cy="0"/>
+          <a:chOff x="0" y="0"/>
+          <a:chExt cx="0" cy="0"/>
+        </a:xfrm>
+      </p:grpSpPr>
+      <p:sp>
+        <p:nvSpPr>
+          <p:cNvPr id="2" name="TextBox 1">
+            <a:extLst>
+              <a:ext uri="{FF2B5EF4-FFF2-40B4-BE49-F238E27FC236}">
+                <a16:creationId xmlns:a16="http://schemas.microsoft.com/office/drawing/2014/main" id="{404C6F3B-EB9A-C56E-D71D-CA5CE1B49BE6}"/>
+              </a:ext>
+            </a:extLst>
+          </p:cNvPr>
+          <p:cNvSpPr txBox="1"/>
+          <p:nvPr/>
+        </p:nvSpPr>
+        <p:spPr>
+          <a:xfrm>
+            <a:off x="5335215" y="37394"/>
+            <a:ext cx="1521570" cy="369332"/>
+          </a:xfrm>
+          <a:prstGeom prst="rect">
+            <a:avLst/>
+          </a:prstGeom>
+          <a:noFill/>
+        </p:spPr>
+        <p:txBody>
+          <a:bodyPr wrap="none" rtlCol="0">
+            <a:spAutoFit/>
+          </a:bodyPr>
+          <a:lstStyle/>
+          <a:p>
+            <a:pPr algn="ctr"/>
+            <a:r>
+              <a:rPr lang="en-US" dirty="0"/>
+              <a:t>Cs = 1000 mM</a:t>
+            </a:r>
+          </a:p>
+        </p:txBody>
+      </p:sp>
+    </p:spTree>
+    <p:extLst>
+      <p:ext uri="{BB962C8B-B14F-4D97-AF65-F5344CB8AC3E}">
+        <p14:creationId xmlns:p14="http://schemas.microsoft.com/office/powerpoint/2010/main" val="3290047395"/>
+      </p:ext>
+    </p:extLst>
+  </p:cSld>
+  <p:clrMapOvr>
+    <a:masterClrMapping/>
+  </p:clrMapOvr>
+</p:sld>
+</file>
+
 <file path=ppt/theme/theme1.xml><?xml version="1.0" encoding="utf-8"?>
 <a:theme xmlns:a="http://schemas.openxmlformats.org/drawingml/2006/main" name="Office Theme">
   <a:themeElements>
